--- a/paper.pptx
+++ b/paper.pptx
@@ -105,6 +105,11 @@
       </a:defRPr>
     </a:lvl9pPr>
   </p:defaultTextStyle>
+  <p:extLst>
+    <p:ext uri="{EFAFB233-063F-42B5-8137-9DF3F51BA10A}">
+      <p15:sldGuideLst xmlns:p15="http://schemas.microsoft.com/office/powerpoint/2012/main"/>
+    </p:ext>
+  </p:extLst>
 </p:presentation>
 </file>
 
@@ -257,7 +262,7 @@
           <a:p>
             <a:fld id="{017DEE2E-A244-4999-B10A-B3354C56746F}" type="datetimeFigureOut">
               <a:rPr lang="en-US" smtClean="0"/>
-              <a:t>6/22/2019</a:t>
+              <a:t>6/23/2019</a:t>
             </a:fld>
             <a:endParaRPr lang="en-US"/>
           </a:p>
@@ -457,7 +462,7 @@
           <a:p>
             <a:fld id="{017DEE2E-A244-4999-B10A-B3354C56746F}" type="datetimeFigureOut">
               <a:rPr lang="en-US" smtClean="0"/>
-              <a:t>6/22/2019</a:t>
+              <a:t>6/23/2019</a:t>
             </a:fld>
             <a:endParaRPr lang="en-US"/>
           </a:p>
@@ -667,7 +672,7 @@
           <a:p>
             <a:fld id="{017DEE2E-A244-4999-B10A-B3354C56746F}" type="datetimeFigureOut">
               <a:rPr lang="en-US" smtClean="0"/>
-              <a:t>6/22/2019</a:t>
+              <a:t>6/23/2019</a:t>
             </a:fld>
             <a:endParaRPr lang="en-US"/>
           </a:p>
@@ -867,7 +872,7 @@
           <a:p>
             <a:fld id="{017DEE2E-A244-4999-B10A-B3354C56746F}" type="datetimeFigureOut">
               <a:rPr lang="en-US" smtClean="0"/>
-              <a:t>6/22/2019</a:t>
+              <a:t>6/23/2019</a:t>
             </a:fld>
             <a:endParaRPr lang="en-US"/>
           </a:p>
@@ -1143,7 +1148,7 @@
           <a:p>
             <a:fld id="{017DEE2E-A244-4999-B10A-B3354C56746F}" type="datetimeFigureOut">
               <a:rPr lang="en-US" smtClean="0"/>
-              <a:t>6/22/2019</a:t>
+              <a:t>6/23/2019</a:t>
             </a:fld>
             <a:endParaRPr lang="en-US"/>
           </a:p>
@@ -1411,7 +1416,7 @@
           <a:p>
             <a:fld id="{017DEE2E-A244-4999-B10A-B3354C56746F}" type="datetimeFigureOut">
               <a:rPr lang="en-US" smtClean="0"/>
-              <a:t>6/22/2019</a:t>
+              <a:t>6/23/2019</a:t>
             </a:fld>
             <a:endParaRPr lang="en-US"/>
           </a:p>
@@ -1826,7 +1831,7 @@
           <a:p>
             <a:fld id="{017DEE2E-A244-4999-B10A-B3354C56746F}" type="datetimeFigureOut">
               <a:rPr lang="en-US" smtClean="0"/>
-              <a:t>6/22/2019</a:t>
+              <a:t>6/23/2019</a:t>
             </a:fld>
             <a:endParaRPr lang="en-US"/>
           </a:p>
@@ -1968,7 +1973,7 @@
           <a:p>
             <a:fld id="{017DEE2E-A244-4999-B10A-B3354C56746F}" type="datetimeFigureOut">
               <a:rPr lang="en-US" smtClean="0"/>
-              <a:t>6/22/2019</a:t>
+              <a:t>6/23/2019</a:t>
             </a:fld>
             <a:endParaRPr lang="en-US"/>
           </a:p>
@@ -2081,7 +2086,7 @@
           <a:p>
             <a:fld id="{017DEE2E-A244-4999-B10A-B3354C56746F}" type="datetimeFigureOut">
               <a:rPr lang="en-US" smtClean="0"/>
-              <a:t>6/22/2019</a:t>
+              <a:t>6/23/2019</a:t>
             </a:fld>
             <a:endParaRPr lang="en-US"/>
           </a:p>
@@ -2394,7 +2399,7 @@
           <a:p>
             <a:fld id="{017DEE2E-A244-4999-B10A-B3354C56746F}" type="datetimeFigureOut">
               <a:rPr lang="en-US" smtClean="0"/>
-              <a:t>6/22/2019</a:t>
+              <a:t>6/23/2019</a:t>
             </a:fld>
             <a:endParaRPr lang="en-US"/>
           </a:p>
@@ -2683,7 +2688,7 @@
           <a:p>
             <a:fld id="{017DEE2E-A244-4999-B10A-B3354C56746F}" type="datetimeFigureOut">
               <a:rPr lang="en-US" smtClean="0"/>
-              <a:t>6/22/2019</a:t>
+              <a:t>6/23/2019</a:t>
             </a:fld>
             <a:endParaRPr lang="en-US"/>
           </a:p>
@@ -2926,7 +2931,7 @@
           <a:p>
             <a:fld id="{017DEE2E-A244-4999-B10A-B3354C56746F}" type="datetimeFigureOut">
               <a:rPr lang="en-US" smtClean="0"/>
-              <a:t>6/22/2019</a:t>
+              <a:t>6/23/2019</a:t>
             </a:fld>
             <a:endParaRPr lang="en-US"/>
           </a:p>
@@ -3345,58 +3350,6 @@
       </p:grpSpPr>
       <p:sp>
         <p:nvSpPr>
-          <p:cNvPr id="4" name="矩形 3">
-            <a:extLst>
-              <a:ext uri="{FF2B5EF4-FFF2-40B4-BE49-F238E27FC236}">
-                <a16:creationId xmlns:a16="http://schemas.microsoft.com/office/drawing/2014/main" id="{5B5F294B-E747-44EC-A618-7A4DA5724C58}"/>
-              </a:ext>
-            </a:extLst>
-          </p:cNvPr>
-          <p:cNvSpPr/>
-          <p:nvPr/>
-        </p:nvSpPr>
-        <p:spPr>
-          <a:xfrm>
-            <a:off x="3918087" y="891716"/>
-            <a:ext cx="3806889" cy="5635690"/>
-          </a:xfrm>
-          <a:prstGeom prst="rect">
-            <a:avLst/>
-          </a:prstGeom>
-          <a:noFill/>
-          <a:ln w="12700">
-            <a:solidFill>
-              <a:schemeClr val="tx1"/>
-            </a:solidFill>
-          </a:ln>
-        </p:spPr>
-        <p:style>
-          <a:lnRef idx="2">
-            <a:schemeClr val="accent1">
-              <a:shade val="50000"/>
-            </a:schemeClr>
-          </a:lnRef>
-          <a:fillRef idx="1">
-            <a:schemeClr val="accent1"/>
-          </a:fillRef>
-          <a:effectRef idx="0">
-            <a:schemeClr val="accent1"/>
-          </a:effectRef>
-          <a:fontRef idx="minor">
-            <a:schemeClr val="lt1"/>
-          </a:fontRef>
-        </p:style>
-        <p:txBody>
-          <a:bodyPr rtlCol="0" anchor="ctr"/>
-          <a:lstStyle/>
-          <a:p>
-            <a:pPr algn="ctr"/>
-            <a:endParaRPr lang="en-US"/>
-          </a:p>
-        </p:txBody>
-      </p:sp>
-      <p:sp>
-        <p:nvSpPr>
           <p:cNvPr id="8" name="文字方塊 7">
             <a:extLst>
               <a:ext uri="{FF2B5EF4-FFF2-40B4-BE49-F238E27FC236}">
@@ -3711,7 +3664,7 @@
         </p:nvCxnSpPr>
         <p:spPr>
           <a:xfrm>
-            <a:off x="3833339" y="5931559"/>
+            <a:off x="3833339" y="5923170"/>
             <a:ext cx="3976381" cy="0"/>
           </a:xfrm>
           <a:prstGeom prst="line">
@@ -3835,10 +3788,10 @@
       </p:cxnSp>
       <p:sp>
         <p:nvSpPr>
-          <p:cNvPr id="5" name="矩形 4">
-            <a:extLst>
-              <a:ext uri="{FF2B5EF4-FFF2-40B4-BE49-F238E27FC236}">
-                <a16:creationId xmlns:a16="http://schemas.microsoft.com/office/drawing/2014/main" id="{E1B2EF8B-5705-484F-A6EB-3AF36BAD4004}"/>
+          <p:cNvPr id="6" name="矩形 5">
+            <a:extLst>
+              <a:ext uri="{FF2B5EF4-FFF2-40B4-BE49-F238E27FC236}">
+                <a16:creationId xmlns:a16="http://schemas.microsoft.com/office/drawing/2014/main" id="{50895135-F06F-4873-B7A0-90DD025BC13C}"/>
               </a:ext>
             </a:extLst>
           </p:cNvPr>
@@ -3847,8 +3800,8 @@
         </p:nvSpPr>
         <p:spPr>
           <a:xfrm>
-            <a:off x="4374430" y="1490673"/>
-            <a:ext cx="2894202" cy="4437776"/>
+            <a:off x="4374430" y="877578"/>
+            <a:ext cx="2894202" cy="613095"/>
           </a:xfrm>
           <a:prstGeom prst="rect">
             <a:avLst/>
@@ -3888,54 +3841,30 @@
           <a:p>
             <a:pPr algn="ctr"/>
             <a:r>
-              <a:rPr lang="en-US" b="1" dirty="0">
+              <a:rPr lang="en-US" sz="1200" b="1" dirty="0">
                 <a:solidFill>
                   <a:schemeClr val="tx1"/>
                 </a:solidFill>
               </a:rPr>
-              <a:t>Content</a:t>
-            </a:r>
-          </a:p>
-          <a:p>
-            <a:pPr algn="ctr"/>
-            <a:r>
-              <a:rPr lang="en-US" altLang="zh-TW" dirty="0">
+              <a:t>Description</a:t>
+            </a:r>
+            <a:r>
+              <a:rPr lang="en-US" sz="1200" dirty="0">
                 <a:solidFill>
                   <a:schemeClr val="tx1"/>
                 </a:solidFill>
               </a:rPr>
-              <a:t>(</a:t>
-            </a:r>
-            <a:r>
-              <a:rPr lang="en-US" dirty="0">
-                <a:solidFill>
-                  <a:schemeClr val="tx1"/>
-                </a:solidFill>
-              </a:rPr>
-              <a:t>grid, gridbag</a:t>
-            </a:r>
-            <a:r>
-              <a:rPr lang="en-US" altLang="zh-TW" dirty="0">
-                <a:solidFill>
-                  <a:schemeClr val="tx1"/>
-                </a:solidFill>
-              </a:rPr>
-              <a:t>)</a:t>
-            </a:r>
-            <a:endParaRPr lang="en-US" dirty="0">
-              <a:solidFill>
-                <a:schemeClr val="tx1"/>
-              </a:solidFill>
-            </a:endParaRPr>
-          </a:p>
-        </p:txBody>
-      </p:sp>
-      <p:sp>
-        <p:nvSpPr>
-          <p:cNvPr id="6" name="矩形 5">
-            <a:extLst>
-              <a:ext uri="{FF2B5EF4-FFF2-40B4-BE49-F238E27FC236}">
-                <a16:creationId xmlns:a16="http://schemas.microsoft.com/office/drawing/2014/main" id="{50895135-F06F-4873-B7A0-90DD025BC13C}"/>
+              <a:t>: Header</a:t>
+            </a:r>
+          </a:p>
+        </p:txBody>
+      </p:sp>
+      <p:sp>
+        <p:nvSpPr>
+          <p:cNvPr id="7" name="矩形 6">
+            <a:extLst>
+              <a:ext uri="{FF2B5EF4-FFF2-40B4-BE49-F238E27FC236}">
+                <a16:creationId xmlns:a16="http://schemas.microsoft.com/office/drawing/2014/main" id="{447CF6FD-7899-4507-8D3C-A86FCA4B787E}"/>
               </a:ext>
             </a:extLst>
           </p:cNvPr>
@@ -3944,8 +3873,8 @@
         </p:nvSpPr>
         <p:spPr>
           <a:xfrm>
-            <a:off x="4374430" y="916883"/>
-            <a:ext cx="2894202" cy="554843"/>
+            <a:off x="4374430" y="5921729"/>
+            <a:ext cx="2894202" cy="598956"/>
           </a:xfrm>
           <a:prstGeom prst="rect">
             <a:avLst/>
@@ -3998,41 +3927,74 @@
                   <a:schemeClr val="tx1"/>
                 </a:solidFill>
               </a:rPr>
-              <a:t>: Header</a:t>
-            </a:r>
-          </a:p>
-        </p:txBody>
-      </p:sp>
-      <p:sp>
-        <p:nvSpPr>
-          <p:cNvPr id="7" name="矩形 6">
-            <a:extLst>
-              <a:ext uri="{FF2B5EF4-FFF2-40B4-BE49-F238E27FC236}">
-                <a16:creationId xmlns:a16="http://schemas.microsoft.com/office/drawing/2014/main" id="{447CF6FD-7899-4507-8D3C-A86FCA4B787E}"/>
-              </a:ext>
-            </a:extLst>
-          </p:cNvPr>
-          <p:cNvSpPr/>
+              <a:t>: Footer</a:t>
+            </a:r>
+          </a:p>
+        </p:txBody>
+      </p:sp>
+      <p:sp>
+        <p:nvSpPr>
+          <p:cNvPr id="34" name="文字方塊 33">
+            <a:extLst>
+              <a:ext uri="{FF2B5EF4-FFF2-40B4-BE49-F238E27FC236}">
+                <a16:creationId xmlns:a16="http://schemas.microsoft.com/office/drawing/2014/main" id="{9D80B159-1EB8-4043-8E4D-EC358220F37A}"/>
+              </a:ext>
+            </a:extLst>
+          </p:cNvPr>
+          <p:cNvSpPr txBox="1"/>
           <p:nvPr/>
         </p:nvSpPr>
         <p:spPr>
-          <a:xfrm>
-            <a:off x="4374430" y="5948337"/>
-            <a:ext cx="2894202" cy="554843"/>
+          <a:xfrm rot="5400000">
+            <a:off x="3969621" y="6110357"/>
+            <a:ext cx="604653" cy="246221"/>
           </a:xfrm>
           <a:prstGeom prst="rect">
             <a:avLst/>
           </a:prstGeom>
-          <a:solidFill>
-            <a:schemeClr val="bg1">
-              <a:lumMod val="95000"/>
-            </a:schemeClr>
-          </a:solidFill>
-          <a:ln w="9525">
+          <a:noFill/>
+        </p:spPr>
+        <p:txBody>
+          <a:bodyPr wrap="none" rtlCol="0">
+            <a:spAutoFit/>
+          </a:bodyPr>
+          <a:lstStyle/>
+          <a:p>
+            <a:r>
+              <a:rPr lang="en-US" sz="1000" dirty="0">
+                <a:solidFill>
+                  <a:srgbClr val="0070C0"/>
+                </a:solidFill>
+              </a:rPr>
+              <a:t>padding</a:t>
+            </a:r>
+          </a:p>
+        </p:txBody>
+      </p:sp>
+      <p:sp>
+        <p:nvSpPr>
+          <p:cNvPr id="4" name="矩形 3">
+            <a:extLst>
+              <a:ext uri="{FF2B5EF4-FFF2-40B4-BE49-F238E27FC236}">
+                <a16:creationId xmlns:a16="http://schemas.microsoft.com/office/drawing/2014/main" id="{5B5F294B-E747-44EC-A618-7A4DA5724C58}"/>
+              </a:ext>
+            </a:extLst>
+          </p:cNvPr>
+          <p:cNvSpPr/>
+          <p:nvPr/>
+        </p:nvSpPr>
+        <p:spPr>
+          <a:xfrm>
+            <a:off x="3918087" y="891716"/>
+            <a:ext cx="3806889" cy="5635690"/>
+          </a:xfrm>
+          <a:prstGeom prst="rect">
+            <a:avLst/>
+          </a:prstGeom>
+          <a:noFill/>
+          <a:ln w="12700">
             <a:solidFill>
-              <a:schemeClr val="bg1">
-                <a:lumMod val="50000"/>
-              </a:schemeClr>
+              <a:schemeClr val="tx1"/>
             </a:solidFill>
           </a:ln>
         </p:spPr>
@@ -4058,60 +4020,45 @@
           <a:p>
             <a:pPr algn="ctr"/>
             <a:r>
-              <a:rPr lang="en-US" sz="1200" b="1" dirty="0">
+              <a:rPr lang="en-US" b="1" dirty="0">
                 <a:solidFill>
                   <a:schemeClr val="tx1"/>
                 </a:solidFill>
               </a:rPr>
-              <a:t>Description</a:t>
-            </a:r>
-            <a:r>
-              <a:rPr lang="en-US" sz="1200" dirty="0">
+              <a:t>Content</a:t>
+            </a:r>
+          </a:p>
+          <a:p>
+            <a:pPr algn="ctr"/>
+            <a:r>
+              <a:rPr lang="en-US" altLang="zh-TW" dirty="0">
                 <a:solidFill>
                   <a:schemeClr val="tx1"/>
                 </a:solidFill>
               </a:rPr>
-              <a:t>: Footer</a:t>
-            </a:r>
-          </a:p>
-        </p:txBody>
-      </p:sp>
-      <p:sp>
-        <p:nvSpPr>
-          <p:cNvPr id="34" name="文字方塊 33">
-            <a:extLst>
-              <a:ext uri="{FF2B5EF4-FFF2-40B4-BE49-F238E27FC236}">
-                <a16:creationId xmlns:a16="http://schemas.microsoft.com/office/drawing/2014/main" id="{9D80B159-1EB8-4043-8E4D-EC358220F37A}"/>
-              </a:ext>
-            </a:extLst>
-          </p:cNvPr>
-          <p:cNvSpPr txBox="1"/>
-          <p:nvPr/>
-        </p:nvSpPr>
-        <p:spPr>
-          <a:xfrm rot="5400000">
-            <a:off x="3969621" y="6110357"/>
-            <a:ext cx="604653" cy="246221"/>
-          </a:xfrm>
-          <a:prstGeom prst="rect">
-            <a:avLst/>
-          </a:prstGeom>
-          <a:noFill/>
-        </p:spPr>
-        <p:txBody>
-          <a:bodyPr wrap="none" rtlCol="0">
-            <a:spAutoFit/>
-          </a:bodyPr>
-          <a:lstStyle/>
-          <a:p>
-            <a:r>
-              <a:rPr lang="en-US" sz="1000" dirty="0">
+              <a:t>(</a:t>
+            </a:r>
+            <a:r>
+              <a:rPr lang="en-US" dirty="0">
                 <a:solidFill>
-                  <a:srgbClr val="0070C0"/>
+                  <a:schemeClr val="tx1"/>
                 </a:solidFill>
               </a:rPr>
-              <a:t>padding</a:t>
-            </a:r>
+              <a:t>grid, gridbag</a:t>
+            </a:r>
+            <a:r>
+              <a:rPr lang="en-US" altLang="zh-TW" dirty="0">
+                <a:solidFill>
+                  <a:schemeClr val="tx1"/>
+                </a:solidFill>
+              </a:rPr>
+              <a:t>)</a:t>
+            </a:r>
+            <a:endParaRPr lang="en-US" dirty="0">
+              <a:solidFill>
+                <a:schemeClr val="tx1"/>
+              </a:solidFill>
+            </a:endParaRPr>
           </a:p>
         </p:txBody>
       </p:sp>
@@ -4147,58 +4094,6 @@
       </p:grpSpPr>
       <p:sp>
         <p:nvSpPr>
-          <p:cNvPr id="4" name="矩形 3">
-            <a:extLst>
-              <a:ext uri="{FF2B5EF4-FFF2-40B4-BE49-F238E27FC236}">
-                <a16:creationId xmlns:a16="http://schemas.microsoft.com/office/drawing/2014/main" id="{5B5F294B-E747-44EC-A618-7A4DA5724C58}"/>
-              </a:ext>
-            </a:extLst>
-          </p:cNvPr>
-          <p:cNvSpPr/>
-          <p:nvPr/>
-        </p:nvSpPr>
-        <p:spPr>
-          <a:xfrm>
-            <a:off x="2214698" y="1680281"/>
-            <a:ext cx="6630011" cy="3973896"/>
-          </a:xfrm>
-          <a:prstGeom prst="rect">
-            <a:avLst/>
-          </a:prstGeom>
-          <a:noFill/>
-          <a:ln w="12700">
-            <a:solidFill>
-              <a:schemeClr val="tx1"/>
-            </a:solidFill>
-          </a:ln>
-        </p:spPr>
-        <p:style>
-          <a:lnRef idx="2">
-            <a:schemeClr val="accent1">
-              <a:shade val="50000"/>
-            </a:schemeClr>
-          </a:lnRef>
-          <a:fillRef idx="1">
-            <a:schemeClr val="accent1"/>
-          </a:fillRef>
-          <a:effectRef idx="0">
-            <a:schemeClr val="accent1"/>
-          </a:effectRef>
-          <a:fontRef idx="minor">
-            <a:schemeClr val="lt1"/>
-          </a:fontRef>
-        </p:style>
-        <p:txBody>
-          <a:bodyPr rtlCol="0" anchor="ctr"/>
-          <a:lstStyle/>
-          <a:p>
-            <a:pPr algn="ctr"/>
-            <a:endParaRPr lang="en-US"/>
-          </a:p>
-        </p:txBody>
-      </p:sp>
-      <p:sp>
-        <p:nvSpPr>
           <p:cNvPr id="8" name="文字方塊 7">
             <a:extLst>
               <a:ext uri="{FF2B5EF4-FFF2-40B4-BE49-F238E27FC236}">
@@ -4361,52 +4256,6 @@
           </a:fontRef>
         </p:style>
       </p:cxnSp>
-      <p:cxnSp>
-        <p:nvCxnSpPr>
-          <p:cNvPr id="30" name="直線接點 29">
-            <a:extLst>
-              <a:ext uri="{FF2B5EF4-FFF2-40B4-BE49-F238E27FC236}">
-                <a16:creationId xmlns:a16="http://schemas.microsoft.com/office/drawing/2014/main" id="{EFF18207-E80A-492E-B71B-E50DF8A86151}"/>
-              </a:ext>
-            </a:extLst>
-          </p:cNvPr>
-          <p:cNvCxnSpPr>
-            <a:cxnSpLocks/>
-          </p:cNvCxnSpPr>
-          <p:nvPr/>
-        </p:nvCxnSpPr>
-        <p:spPr>
-          <a:xfrm>
-            <a:off x="2681247" y="1568742"/>
-            <a:ext cx="5057" cy="4228051"/>
-          </a:xfrm>
-          <a:prstGeom prst="line">
-            <a:avLst/>
-          </a:prstGeom>
-          <a:ln w="9525">
-            <a:solidFill>
-              <a:schemeClr val="bg1">
-                <a:lumMod val="75000"/>
-              </a:schemeClr>
-            </a:solidFill>
-            <a:prstDash val="dash"/>
-          </a:ln>
-        </p:spPr>
-        <p:style>
-          <a:lnRef idx="1">
-            <a:schemeClr val="accent1"/>
-          </a:lnRef>
-          <a:fillRef idx="0">
-            <a:schemeClr val="accent1"/>
-          </a:fillRef>
-          <a:effectRef idx="0">
-            <a:schemeClr val="accent1"/>
-          </a:effectRef>
-          <a:fontRef idx="minor">
-            <a:schemeClr val="tx1"/>
-          </a:fontRef>
-        </p:style>
-      </p:cxnSp>
       <p:sp>
         <p:nvSpPr>
           <p:cNvPr id="34" name="文字方塊 33">
@@ -4462,8 +4311,8 @@
         </p:nvCxnSpPr>
         <p:spPr>
           <a:xfrm flipH="1">
-            <a:off x="8373340" y="1568742"/>
-            <a:ext cx="4304" cy="4228051"/>
+            <a:off x="8370008" y="1568742"/>
+            <a:ext cx="1" cy="4228051"/>
           </a:xfrm>
           <a:prstGeom prst="line">
             <a:avLst/>
@@ -4554,7 +4403,7 @@
         </p:nvCxnSpPr>
         <p:spPr>
           <a:xfrm flipH="1">
-            <a:off x="2118376" y="2286895"/>
+            <a:off x="2118376" y="2295284"/>
             <a:ext cx="6832678" cy="0"/>
           </a:xfrm>
           <a:prstGeom prst="line">
@@ -4586,10 +4435,10 @@
       </p:cxnSp>
       <p:sp>
         <p:nvSpPr>
-          <p:cNvPr id="5" name="矩形 4">
-            <a:extLst>
-              <a:ext uri="{FF2B5EF4-FFF2-40B4-BE49-F238E27FC236}">
-                <a16:creationId xmlns:a16="http://schemas.microsoft.com/office/drawing/2014/main" id="{E1B2EF8B-5705-484F-A6EB-3AF36BAD4004}"/>
+          <p:cNvPr id="6" name="矩形 5">
+            <a:extLst>
+              <a:ext uri="{FF2B5EF4-FFF2-40B4-BE49-F238E27FC236}">
+                <a16:creationId xmlns:a16="http://schemas.microsoft.com/office/drawing/2014/main" id="{50895135-F06F-4873-B7A0-90DD025BC13C}"/>
               </a:ext>
             </a:extLst>
           </p:cNvPr>
@@ -4598,8 +4447,8 @@
         </p:nvSpPr>
         <p:spPr>
           <a:xfrm>
-            <a:off x="2687058" y="2286895"/>
-            <a:ext cx="5683434" cy="2754451"/>
+            <a:off x="2687058" y="1671806"/>
+            <a:ext cx="5683156" cy="623478"/>
           </a:xfrm>
           <a:prstGeom prst="rect">
             <a:avLst/>
@@ -4639,54 +4488,30 @@
           <a:p>
             <a:pPr algn="ctr"/>
             <a:r>
-              <a:rPr lang="en-US" b="1" dirty="0">
+              <a:rPr lang="en-US" sz="1200" b="1" dirty="0">
                 <a:solidFill>
                   <a:schemeClr val="tx1"/>
                 </a:solidFill>
               </a:rPr>
-              <a:t>Content</a:t>
-            </a:r>
-          </a:p>
-          <a:p>
-            <a:pPr algn="ctr"/>
-            <a:r>
-              <a:rPr lang="en-US" altLang="zh-TW" dirty="0">
+              <a:t>Description</a:t>
+            </a:r>
+            <a:r>
+              <a:rPr lang="en-US" sz="1200" dirty="0">
                 <a:solidFill>
                   <a:schemeClr val="tx1"/>
                 </a:solidFill>
               </a:rPr>
-              <a:t>(</a:t>
-            </a:r>
-            <a:r>
-              <a:rPr lang="en-US" dirty="0">
-                <a:solidFill>
-                  <a:schemeClr val="tx1"/>
-                </a:solidFill>
-              </a:rPr>
-              <a:t>grid, gridbag</a:t>
-            </a:r>
-            <a:r>
-              <a:rPr lang="en-US" altLang="zh-TW" dirty="0">
-                <a:solidFill>
-                  <a:schemeClr val="tx1"/>
-                </a:solidFill>
-              </a:rPr>
-              <a:t>)</a:t>
-            </a:r>
-            <a:endParaRPr lang="en-US" dirty="0">
-              <a:solidFill>
-                <a:schemeClr val="tx1"/>
-              </a:solidFill>
-            </a:endParaRPr>
-          </a:p>
-        </p:txBody>
-      </p:sp>
-      <p:sp>
-        <p:nvSpPr>
-          <p:cNvPr id="6" name="矩形 5">
-            <a:extLst>
-              <a:ext uri="{FF2B5EF4-FFF2-40B4-BE49-F238E27FC236}">
-                <a16:creationId xmlns:a16="http://schemas.microsoft.com/office/drawing/2014/main" id="{50895135-F06F-4873-B7A0-90DD025BC13C}"/>
+              <a:t>: Header</a:t>
+            </a:r>
+          </a:p>
+        </p:txBody>
+      </p:sp>
+      <p:sp>
+        <p:nvSpPr>
+          <p:cNvPr id="7" name="矩形 6">
+            <a:extLst>
+              <a:ext uri="{FF2B5EF4-FFF2-40B4-BE49-F238E27FC236}">
+                <a16:creationId xmlns:a16="http://schemas.microsoft.com/office/drawing/2014/main" id="{447CF6FD-7899-4507-8D3C-A86FCA4B787E}"/>
               </a:ext>
             </a:extLst>
           </p:cNvPr>
@@ -4695,8 +4520,8 @@
         </p:nvSpPr>
         <p:spPr>
           <a:xfrm>
-            <a:off x="2687058" y="1705448"/>
-            <a:ext cx="5683156" cy="554843"/>
+            <a:off x="2687057" y="5044141"/>
+            <a:ext cx="5683157" cy="612425"/>
           </a:xfrm>
           <a:prstGeom prst="rect">
             <a:avLst/>
@@ -4749,79 +4574,6 @@
                   <a:schemeClr val="tx1"/>
                 </a:solidFill>
               </a:rPr>
-              <a:t>: Header</a:t>
-            </a:r>
-          </a:p>
-        </p:txBody>
-      </p:sp>
-      <p:sp>
-        <p:nvSpPr>
-          <p:cNvPr id="7" name="矩形 6">
-            <a:extLst>
-              <a:ext uri="{FF2B5EF4-FFF2-40B4-BE49-F238E27FC236}">
-                <a16:creationId xmlns:a16="http://schemas.microsoft.com/office/drawing/2014/main" id="{447CF6FD-7899-4507-8D3C-A86FCA4B787E}"/>
-              </a:ext>
-            </a:extLst>
-          </p:cNvPr>
-          <p:cNvSpPr/>
-          <p:nvPr/>
-        </p:nvSpPr>
-        <p:spPr>
-          <a:xfrm>
-            <a:off x="2687057" y="5065193"/>
-            <a:ext cx="5683157" cy="554843"/>
-          </a:xfrm>
-          <a:prstGeom prst="rect">
-            <a:avLst/>
-          </a:prstGeom>
-          <a:solidFill>
-            <a:schemeClr val="bg1">
-              <a:lumMod val="95000"/>
-            </a:schemeClr>
-          </a:solidFill>
-          <a:ln w="9525">
-            <a:solidFill>
-              <a:schemeClr val="bg1">
-                <a:lumMod val="50000"/>
-              </a:schemeClr>
-            </a:solidFill>
-          </a:ln>
-        </p:spPr>
-        <p:style>
-          <a:lnRef idx="2">
-            <a:schemeClr val="accent1">
-              <a:shade val="50000"/>
-            </a:schemeClr>
-          </a:lnRef>
-          <a:fillRef idx="1">
-            <a:schemeClr val="accent1"/>
-          </a:fillRef>
-          <a:effectRef idx="0">
-            <a:schemeClr val="accent1"/>
-          </a:effectRef>
-          <a:fontRef idx="minor">
-            <a:schemeClr val="lt1"/>
-          </a:fontRef>
-        </p:style>
-        <p:txBody>
-          <a:bodyPr rtlCol="0" anchor="ctr"/>
-          <a:lstStyle/>
-          <a:p>
-            <a:pPr algn="ctr"/>
-            <a:r>
-              <a:rPr lang="en-US" sz="1200" b="1" dirty="0">
-                <a:solidFill>
-                  <a:schemeClr val="tx1"/>
-                </a:solidFill>
-              </a:rPr>
-              <a:t>Description</a:t>
-            </a:r>
-            <a:r>
-              <a:rPr lang="en-US" sz="1200" dirty="0">
-                <a:solidFill>
-                  <a:schemeClr val="tx1"/>
-                </a:solidFill>
-              </a:rPr>
               <a:t>: Footer</a:t>
             </a:r>
           </a:p>
@@ -4900,6 +4652,143 @@
             </a:solidFill>
             <a:headEnd type="arrow" w="med" len="med"/>
             <a:tailEnd type="arrow" w="med" len="med"/>
+          </a:ln>
+        </p:spPr>
+        <p:style>
+          <a:lnRef idx="1">
+            <a:schemeClr val="accent1"/>
+          </a:lnRef>
+          <a:fillRef idx="0">
+            <a:schemeClr val="accent1"/>
+          </a:fillRef>
+          <a:effectRef idx="0">
+            <a:schemeClr val="accent1"/>
+          </a:effectRef>
+          <a:fontRef idx="minor">
+            <a:schemeClr val="tx1"/>
+          </a:fontRef>
+        </p:style>
+      </p:cxnSp>
+      <p:sp>
+        <p:nvSpPr>
+          <p:cNvPr id="4" name="矩形 3">
+            <a:extLst>
+              <a:ext uri="{FF2B5EF4-FFF2-40B4-BE49-F238E27FC236}">
+                <a16:creationId xmlns:a16="http://schemas.microsoft.com/office/drawing/2014/main" id="{5B5F294B-E747-44EC-A618-7A4DA5724C58}"/>
+              </a:ext>
+            </a:extLst>
+          </p:cNvPr>
+          <p:cNvSpPr/>
+          <p:nvPr/>
+        </p:nvSpPr>
+        <p:spPr>
+          <a:xfrm>
+            <a:off x="2214698" y="1680281"/>
+            <a:ext cx="6630011" cy="3973896"/>
+          </a:xfrm>
+          <a:prstGeom prst="rect">
+            <a:avLst/>
+          </a:prstGeom>
+          <a:noFill/>
+          <a:ln w="12700">
+            <a:solidFill>
+              <a:schemeClr val="tx1"/>
+            </a:solidFill>
+          </a:ln>
+        </p:spPr>
+        <p:style>
+          <a:lnRef idx="2">
+            <a:schemeClr val="accent1">
+              <a:shade val="50000"/>
+            </a:schemeClr>
+          </a:lnRef>
+          <a:fillRef idx="1">
+            <a:schemeClr val="accent1"/>
+          </a:fillRef>
+          <a:effectRef idx="0">
+            <a:schemeClr val="accent1"/>
+          </a:effectRef>
+          <a:fontRef idx="minor">
+            <a:schemeClr val="lt1"/>
+          </a:fontRef>
+        </p:style>
+        <p:txBody>
+          <a:bodyPr rtlCol="0" anchor="ctr"/>
+          <a:lstStyle/>
+          <a:p>
+            <a:pPr algn="ctr"/>
+            <a:r>
+              <a:rPr lang="en-US" b="1" dirty="0">
+                <a:solidFill>
+                  <a:schemeClr val="tx1"/>
+                </a:solidFill>
+              </a:rPr>
+              <a:t>Content</a:t>
+            </a:r>
+          </a:p>
+          <a:p>
+            <a:pPr algn="ctr"/>
+            <a:r>
+              <a:rPr lang="en-US" altLang="zh-TW" dirty="0">
+                <a:solidFill>
+                  <a:schemeClr val="tx1"/>
+                </a:solidFill>
+              </a:rPr>
+              <a:t>(</a:t>
+            </a:r>
+            <a:r>
+              <a:rPr lang="en-US" dirty="0">
+                <a:solidFill>
+                  <a:schemeClr val="tx1"/>
+                </a:solidFill>
+              </a:rPr>
+              <a:t>grid, gridbag</a:t>
+            </a:r>
+            <a:r>
+              <a:rPr lang="en-US" altLang="zh-TW" dirty="0">
+                <a:solidFill>
+                  <a:schemeClr val="tx1"/>
+                </a:solidFill>
+              </a:rPr>
+              <a:t>)</a:t>
+            </a:r>
+            <a:endParaRPr lang="en-US" dirty="0">
+              <a:solidFill>
+                <a:schemeClr val="tx1"/>
+              </a:solidFill>
+            </a:endParaRPr>
+          </a:p>
+        </p:txBody>
+      </p:sp>
+      <p:cxnSp>
+        <p:nvCxnSpPr>
+          <p:cNvPr id="30" name="直線接點 29">
+            <a:extLst>
+              <a:ext uri="{FF2B5EF4-FFF2-40B4-BE49-F238E27FC236}">
+                <a16:creationId xmlns:a16="http://schemas.microsoft.com/office/drawing/2014/main" id="{EFF18207-E80A-492E-B71B-E50DF8A86151}"/>
+              </a:ext>
+            </a:extLst>
+          </p:cNvPr>
+          <p:cNvCxnSpPr>
+            <a:cxnSpLocks/>
+          </p:cNvCxnSpPr>
+          <p:nvPr/>
+        </p:nvCxnSpPr>
+        <p:spPr>
+          <a:xfrm>
+            <a:off x="2681247" y="1568742"/>
+            <a:ext cx="5057" cy="4228051"/>
+          </a:xfrm>
+          <a:prstGeom prst="line">
+            <a:avLst/>
+          </a:prstGeom>
+          <a:ln w="9525">
+            <a:solidFill>
+              <a:schemeClr val="bg1">
+                <a:lumMod val="75000"/>
+              </a:schemeClr>
+            </a:solidFill>
+            <a:prstDash val="dash"/>
           </a:ln>
         </p:spPr>
         <p:style>
